--- a/ppt 16-9/1005.主意尽美.pptx
+++ b/ppt 16-9/1005.主意尽美.pptx
@@ -5,7 +5,7 @@
     <p:sldMasterId id="2147483648" r:id="rId1"/>
   </p:sldMasterIdLst>
   <p:sldIdLst>
-    <p:sldId id="419" r:id="rId2"/>
+    <p:sldId id="421" r:id="rId2"/>
   </p:sldIdLst>
   <p:sldSz cx="12192000" cy="6858000"/>
   <p:notesSz cx="6858000" cy="9144000"/>
@@ -129,7 +129,7 @@
           <p:cNvPr id="2" name="标题 1">
             <a:extLst>
               <a:ext uri="{FF2B5EF4-FFF2-40B4-BE49-F238E27FC236}">
-                <a16:creationId xmlns:a16="http://schemas.microsoft.com/office/drawing/2014/main" id="{169560D6-58FC-FD49-2986-408EBEEA5DC8}"/>
+                <a16:creationId xmlns:a16="http://schemas.microsoft.com/office/drawing/2014/main" id="{2E5DC2FD-C0CE-3CD2-CD32-63C1803281B1}"/>
               </a:ext>
             </a:extLst>
           </p:cNvPr>
@@ -166,7 +166,7 @@
           <p:cNvPr id="3" name="副标题 2">
             <a:extLst>
               <a:ext uri="{FF2B5EF4-FFF2-40B4-BE49-F238E27FC236}">
-                <a16:creationId xmlns:a16="http://schemas.microsoft.com/office/drawing/2014/main" id="{E7999A47-42F5-5231-4BA2-4BB2148CE777}"/>
+                <a16:creationId xmlns:a16="http://schemas.microsoft.com/office/drawing/2014/main" id="{8C10FD32-A4F3-BF54-C3E1-9F2A33D92C34}"/>
               </a:ext>
             </a:extLst>
           </p:cNvPr>
@@ -236,7 +236,7 @@
           <p:cNvPr id="4" name="日期占位符 3">
             <a:extLst>
               <a:ext uri="{FF2B5EF4-FFF2-40B4-BE49-F238E27FC236}">
-                <a16:creationId xmlns:a16="http://schemas.microsoft.com/office/drawing/2014/main" id="{CB0D717D-D1EF-3BDA-4882-EA7F00E443D2}"/>
+                <a16:creationId xmlns:a16="http://schemas.microsoft.com/office/drawing/2014/main" id="{19C6D30E-92B6-1956-AF9D-7E112C0EB417}"/>
               </a:ext>
             </a:extLst>
           </p:cNvPr>
@@ -252,7 +252,7 @@
           <a:bodyPr/>
           <a:lstStyle/>
           <a:p>
-            <a:fld id="{CED85F33-A69B-4DAC-B126-C70BDE0A9B41}" type="datetimeFigureOut">
+            <a:fld id="{2B660CA1-FC16-4E6A-8D58-9D21AB34EE01}" type="datetimeFigureOut">
               <a:rPr lang="zh-CN" altLang="en-US" smtClean="0"/>
               <a:t>2024/3/10</a:t>
             </a:fld>
@@ -265,7 +265,7 @@
           <p:cNvPr id="5" name="页脚占位符 4">
             <a:extLst>
               <a:ext uri="{FF2B5EF4-FFF2-40B4-BE49-F238E27FC236}">
-                <a16:creationId xmlns:a16="http://schemas.microsoft.com/office/drawing/2014/main" id="{650F11E8-84C3-EB70-8DAB-F00C10385781}"/>
+                <a16:creationId xmlns:a16="http://schemas.microsoft.com/office/drawing/2014/main" id="{1C0D3FE2-8590-FF62-F5F8-E93052519B5A}"/>
               </a:ext>
             </a:extLst>
           </p:cNvPr>
@@ -290,7 +290,7 @@
           <p:cNvPr id="6" name="灯片编号占位符 5">
             <a:extLst>
               <a:ext uri="{FF2B5EF4-FFF2-40B4-BE49-F238E27FC236}">
-                <a16:creationId xmlns:a16="http://schemas.microsoft.com/office/drawing/2014/main" id="{7173B61B-95A4-AF2D-A60D-EDEB91507DAA}"/>
+                <a16:creationId xmlns:a16="http://schemas.microsoft.com/office/drawing/2014/main" id="{AFFAF4B5-3177-90D4-8398-E7160C69B747}"/>
               </a:ext>
             </a:extLst>
           </p:cNvPr>
@@ -306,7 +306,7 @@
           <a:bodyPr/>
           <a:lstStyle/>
           <a:p>
-            <a:fld id="{B0CCD181-F7BA-4E3F-A84E-7A0E0CEAA673}" type="slidenum">
+            <a:fld id="{77C4A916-FCB2-4434-9A4D-439EAD08B88E}" type="slidenum">
               <a:rPr lang="zh-CN" altLang="en-US" smtClean="0"/>
               <a:t>‹#›</a:t>
             </a:fld>
@@ -317,7 +317,7 @@
     </p:spTree>
     <p:extLst>
       <p:ext uri="{BB962C8B-B14F-4D97-AF65-F5344CB8AC3E}">
-        <p14:creationId xmlns:p14="http://schemas.microsoft.com/office/powerpoint/2010/main" val="3492512060"/>
+        <p14:creationId xmlns:p14="http://schemas.microsoft.com/office/powerpoint/2010/main" val="2237266715"/>
       </p:ext>
     </p:extLst>
   </p:cSld>
@@ -349,7 +349,7 @@
           <p:cNvPr id="2" name="标题 1">
             <a:extLst>
               <a:ext uri="{FF2B5EF4-FFF2-40B4-BE49-F238E27FC236}">
-                <a16:creationId xmlns:a16="http://schemas.microsoft.com/office/drawing/2014/main" id="{10F6F041-5849-C44B-A0F3-48F71798AFCE}"/>
+                <a16:creationId xmlns:a16="http://schemas.microsoft.com/office/drawing/2014/main" id="{DDB19890-89AF-495E-5B42-9B75840E2E1F}"/>
               </a:ext>
             </a:extLst>
           </p:cNvPr>
@@ -377,7 +377,7 @@
           <p:cNvPr id="3" name="竖排文字占位符 2">
             <a:extLst>
               <a:ext uri="{FF2B5EF4-FFF2-40B4-BE49-F238E27FC236}">
-                <a16:creationId xmlns:a16="http://schemas.microsoft.com/office/drawing/2014/main" id="{5FEB185E-1F3D-D2AD-AD85-A8D0FFAB0201}"/>
+                <a16:creationId xmlns:a16="http://schemas.microsoft.com/office/drawing/2014/main" id="{9EFFE765-6126-0438-B215-326C6C0D0928}"/>
               </a:ext>
             </a:extLst>
           </p:cNvPr>
@@ -434,7 +434,7 @@
           <p:cNvPr id="4" name="日期占位符 3">
             <a:extLst>
               <a:ext uri="{FF2B5EF4-FFF2-40B4-BE49-F238E27FC236}">
-                <a16:creationId xmlns:a16="http://schemas.microsoft.com/office/drawing/2014/main" id="{2FEB2274-D521-2E9C-0B7C-64F9755BBF55}"/>
+                <a16:creationId xmlns:a16="http://schemas.microsoft.com/office/drawing/2014/main" id="{18A23304-B6B5-1CA0-FCCE-5FBF556102C5}"/>
               </a:ext>
             </a:extLst>
           </p:cNvPr>
@@ -450,7 +450,7 @@
           <a:bodyPr/>
           <a:lstStyle/>
           <a:p>
-            <a:fld id="{CED85F33-A69B-4DAC-B126-C70BDE0A9B41}" type="datetimeFigureOut">
+            <a:fld id="{2B660CA1-FC16-4E6A-8D58-9D21AB34EE01}" type="datetimeFigureOut">
               <a:rPr lang="zh-CN" altLang="en-US" smtClean="0"/>
               <a:t>2024/3/10</a:t>
             </a:fld>
@@ -463,7 +463,7 @@
           <p:cNvPr id="5" name="页脚占位符 4">
             <a:extLst>
               <a:ext uri="{FF2B5EF4-FFF2-40B4-BE49-F238E27FC236}">
-                <a16:creationId xmlns:a16="http://schemas.microsoft.com/office/drawing/2014/main" id="{B04A596E-272E-4274-60C9-305DF6004192}"/>
+                <a16:creationId xmlns:a16="http://schemas.microsoft.com/office/drawing/2014/main" id="{15AE4130-CF7E-247A-FF49-1454E6689CF9}"/>
               </a:ext>
             </a:extLst>
           </p:cNvPr>
@@ -488,7 +488,7 @@
           <p:cNvPr id="6" name="灯片编号占位符 5">
             <a:extLst>
               <a:ext uri="{FF2B5EF4-FFF2-40B4-BE49-F238E27FC236}">
-                <a16:creationId xmlns:a16="http://schemas.microsoft.com/office/drawing/2014/main" id="{9B1DB61C-61C1-287D-06BE-AB97E9039A87}"/>
+                <a16:creationId xmlns:a16="http://schemas.microsoft.com/office/drawing/2014/main" id="{895A5E8F-6340-60EB-5470-8684DF213434}"/>
               </a:ext>
             </a:extLst>
           </p:cNvPr>
@@ -504,7 +504,7 @@
           <a:bodyPr/>
           <a:lstStyle/>
           <a:p>
-            <a:fld id="{B0CCD181-F7BA-4E3F-A84E-7A0E0CEAA673}" type="slidenum">
+            <a:fld id="{77C4A916-FCB2-4434-9A4D-439EAD08B88E}" type="slidenum">
               <a:rPr lang="zh-CN" altLang="en-US" smtClean="0"/>
               <a:t>‹#›</a:t>
             </a:fld>
@@ -515,7 +515,7 @@
     </p:spTree>
     <p:extLst>
       <p:ext uri="{BB962C8B-B14F-4D97-AF65-F5344CB8AC3E}">
-        <p14:creationId xmlns:p14="http://schemas.microsoft.com/office/powerpoint/2010/main" val="760759682"/>
+        <p14:creationId xmlns:p14="http://schemas.microsoft.com/office/powerpoint/2010/main" val="1400588618"/>
       </p:ext>
     </p:extLst>
   </p:cSld>
@@ -547,7 +547,7 @@
           <p:cNvPr id="2" name="竖排标题 1">
             <a:extLst>
               <a:ext uri="{FF2B5EF4-FFF2-40B4-BE49-F238E27FC236}">
-                <a16:creationId xmlns:a16="http://schemas.microsoft.com/office/drawing/2014/main" id="{1A829B5B-5924-AFB7-49F6-FD697EC6AEB6}"/>
+                <a16:creationId xmlns:a16="http://schemas.microsoft.com/office/drawing/2014/main" id="{E91F1A91-E4E5-42F4-073C-0F3BA5395868}"/>
               </a:ext>
             </a:extLst>
           </p:cNvPr>
@@ -580,7 +580,7 @@
           <p:cNvPr id="3" name="竖排文字占位符 2">
             <a:extLst>
               <a:ext uri="{FF2B5EF4-FFF2-40B4-BE49-F238E27FC236}">
-                <a16:creationId xmlns:a16="http://schemas.microsoft.com/office/drawing/2014/main" id="{CE1BBE08-504A-8CDB-B833-5D9B3829443C}"/>
+                <a16:creationId xmlns:a16="http://schemas.microsoft.com/office/drawing/2014/main" id="{D01AB63A-705B-C53D-CC1C-7C8B5CFFD4C9}"/>
               </a:ext>
             </a:extLst>
           </p:cNvPr>
@@ -642,7 +642,7 @@
           <p:cNvPr id="4" name="日期占位符 3">
             <a:extLst>
               <a:ext uri="{FF2B5EF4-FFF2-40B4-BE49-F238E27FC236}">
-                <a16:creationId xmlns:a16="http://schemas.microsoft.com/office/drawing/2014/main" id="{AE2AF59F-97DC-1EC3-7723-5F982141A1EA}"/>
+                <a16:creationId xmlns:a16="http://schemas.microsoft.com/office/drawing/2014/main" id="{C3F9E6FA-99E4-68B5-1F2B-53A8868D755F}"/>
               </a:ext>
             </a:extLst>
           </p:cNvPr>
@@ -658,7 +658,7 @@
           <a:bodyPr/>
           <a:lstStyle/>
           <a:p>
-            <a:fld id="{CED85F33-A69B-4DAC-B126-C70BDE0A9B41}" type="datetimeFigureOut">
+            <a:fld id="{2B660CA1-FC16-4E6A-8D58-9D21AB34EE01}" type="datetimeFigureOut">
               <a:rPr lang="zh-CN" altLang="en-US" smtClean="0"/>
               <a:t>2024/3/10</a:t>
             </a:fld>
@@ -671,7 +671,7 @@
           <p:cNvPr id="5" name="页脚占位符 4">
             <a:extLst>
               <a:ext uri="{FF2B5EF4-FFF2-40B4-BE49-F238E27FC236}">
-                <a16:creationId xmlns:a16="http://schemas.microsoft.com/office/drawing/2014/main" id="{51C62E84-E26B-32EE-D6BA-A1C3E2C47E1D}"/>
+                <a16:creationId xmlns:a16="http://schemas.microsoft.com/office/drawing/2014/main" id="{898EE37A-B1E8-0195-4910-D03E65B422A4}"/>
               </a:ext>
             </a:extLst>
           </p:cNvPr>
@@ -696,7 +696,7 @@
           <p:cNvPr id="6" name="灯片编号占位符 5">
             <a:extLst>
               <a:ext uri="{FF2B5EF4-FFF2-40B4-BE49-F238E27FC236}">
-                <a16:creationId xmlns:a16="http://schemas.microsoft.com/office/drawing/2014/main" id="{A9825956-4BFE-2200-7D0C-C80F46EC3DA2}"/>
+                <a16:creationId xmlns:a16="http://schemas.microsoft.com/office/drawing/2014/main" id="{3C43726E-B612-59F2-A13C-A1304398DB6A}"/>
               </a:ext>
             </a:extLst>
           </p:cNvPr>
@@ -712,7 +712,7 @@
           <a:bodyPr/>
           <a:lstStyle/>
           <a:p>
-            <a:fld id="{B0CCD181-F7BA-4E3F-A84E-7A0E0CEAA673}" type="slidenum">
+            <a:fld id="{77C4A916-FCB2-4434-9A4D-439EAD08B88E}" type="slidenum">
               <a:rPr lang="zh-CN" altLang="en-US" smtClean="0"/>
               <a:t>‹#›</a:t>
             </a:fld>
@@ -723,7 +723,7 @@
     </p:spTree>
     <p:extLst>
       <p:ext uri="{BB962C8B-B14F-4D97-AF65-F5344CB8AC3E}">
-        <p14:creationId xmlns:p14="http://schemas.microsoft.com/office/powerpoint/2010/main" val="416959940"/>
+        <p14:creationId xmlns:p14="http://schemas.microsoft.com/office/powerpoint/2010/main" val="1474462391"/>
       </p:ext>
     </p:extLst>
   </p:cSld>
@@ -755,7 +755,7 @@
           <p:cNvPr id="2" name="标题 1">
             <a:extLst>
               <a:ext uri="{FF2B5EF4-FFF2-40B4-BE49-F238E27FC236}">
-                <a16:creationId xmlns:a16="http://schemas.microsoft.com/office/drawing/2014/main" id="{3620F171-A1B9-D607-1D45-2F6EC399C090}"/>
+                <a16:creationId xmlns:a16="http://schemas.microsoft.com/office/drawing/2014/main" id="{5A9C52F4-5043-D5BA-FE07-629D9CC08FA8}"/>
               </a:ext>
             </a:extLst>
           </p:cNvPr>
@@ -783,7 +783,7 @@
           <p:cNvPr id="3" name="内容占位符 2">
             <a:extLst>
               <a:ext uri="{FF2B5EF4-FFF2-40B4-BE49-F238E27FC236}">
-                <a16:creationId xmlns:a16="http://schemas.microsoft.com/office/drawing/2014/main" id="{22E3D506-8924-9A77-B022-B6848A102600}"/>
+                <a16:creationId xmlns:a16="http://schemas.microsoft.com/office/drawing/2014/main" id="{E076E26F-1A88-81C5-850F-FFF1AAE8B2D0}"/>
               </a:ext>
             </a:extLst>
           </p:cNvPr>
@@ -840,7 +840,7 @@
           <p:cNvPr id="4" name="日期占位符 3">
             <a:extLst>
               <a:ext uri="{FF2B5EF4-FFF2-40B4-BE49-F238E27FC236}">
-                <a16:creationId xmlns:a16="http://schemas.microsoft.com/office/drawing/2014/main" id="{CB6D6814-62D3-0E56-569D-AAE4D84DEE8F}"/>
+                <a16:creationId xmlns:a16="http://schemas.microsoft.com/office/drawing/2014/main" id="{9FAA1F04-E2A5-8870-7A76-A2687998A65C}"/>
               </a:ext>
             </a:extLst>
           </p:cNvPr>
@@ -856,7 +856,7 @@
           <a:bodyPr/>
           <a:lstStyle/>
           <a:p>
-            <a:fld id="{CED85F33-A69B-4DAC-B126-C70BDE0A9B41}" type="datetimeFigureOut">
+            <a:fld id="{2B660CA1-FC16-4E6A-8D58-9D21AB34EE01}" type="datetimeFigureOut">
               <a:rPr lang="zh-CN" altLang="en-US" smtClean="0"/>
               <a:t>2024/3/10</a:t>
             </a:fld>
@@ -869,7 +869,7 @@
           <p:cNvPr id="5" name="页脚占位符 4">
             <a:extLst>
               <a:ext uri="{FF2B5EF4-FFF2-40B4-BE49-F238E27FC236}">
-                <a16:creationId xmlns:a16="http://schemas.microsoft.com/office/drawing/2014/main" id="{1F3FC24A-3911-7109-EAF3-BF8E6DC00BD4}"/>
+                <a16:creationId xmlns:a16="http://schemas.microsoft.com/office/drawing/2014/main" id="{EAA97940-7AF5-FCC9-3CCD-FBEC3AC87E0A}"/>
               </a:ext>
             </a:extLst>
           </p:cNvPr>
@@ -894,7 +894,7 @@
           <p:cNvPr id="6" name="灯片编号占位符 5">
             <a:extLst>
               <a:ext uri="{FF2B5EF4-FFF2-40B4-BE49-F238E27FC236}">
-                <a16:creationId xmlns:a16="http://schemas.microsoft.com/office/drawing/2014/main" id="{B9A5A90A-F879-F9E2-FBA1-B577E31C414A}"/>
+                <a16:creationId xmlns:a16="http://schemas.microsoft.com/office/drawing/2014/main" id="{BADFCEDB-AAC4-9754-0276-946535E83CE7}"/>
               </a:ext>
             </a:extLst>
           </p:cNvPr>
@@ -910,7 +910,7 @@
           <a:bodyPr/>
           <a:lstStyle/>
           <a:p>
-            <a:fld id="{B0CCD181-F7BA-4E3F-A84E-7A0E0CEAA673}" type="slidenum">
+            <a:fld id="{77C4A916-FCB2-4434-9A4D-439EAD08B88E}" type="slidenum">
               <a:rPr lang="zh-CN" altLang="en-US" smtClean="0"/>
               <a:t>‹#›</a:t>
             </a:fld>
@@ -921,7 +921,7 @@
     </p:spTree>
     <p:extLst>
       <p:ext uri="{BB962C8B-B14F-4D97-AF65-F5344CB8AC3E}">
-        <p14:creationId xmlns:p14="http://schemas.microsoft.com/office/powerpoint/2010/main" val="1578551288"/>
+        <p14:creationId xmlns:p14="http://schemas.microsoft.com/office/powerpoint/2010/main" val="3000752001"/>
       </p:ext>
     </p:extLst>
   </p:cSld>
@@ -953,7 +953,7 @@
           <p:cNvPr id="2" name="标题 1">
             <a:extLst>
               <a:ext uri="{FF2B5EF4-FFF2-40B4-BE49-F238E27FC236}">
-                <a16:creationId xmlns:a16="http://schemas.microsoft.com/office/drawing/2014/main" id="{12F65FFA-8C59-D5D4-5680-EF3CB1057532}"/>
+                <a16:creationId xmlns:a16="http://schemas.microsoft.com/office/drawing/2014/main" id="{33C23B38-C28A-7254-D2B1-4B8626AF9883}"/>
               </a:ext>
             </a:extLst>
           </p:cNvPr>
@@ -990,7 +990,7 @@
           <p:cNvPr id="3" name="文本占位符 2">
             <a:extLst>
               <a:ext uri="{FF2B5EF4-FFF2-40B4-BE49-F238E27FC236}">
-                <a16:creationId xmlns:a16="http://schemas.microsoft.com/office/drawing/2014/main" id="{ECAD1C85-DA84-90D7-DE5D-B92D2659CC72}"/>
+                <a16:creationId xmlns:a16="http://schemas.microsoft.com/office/drawing/2014/main" id="{AFF42225-FBE7-4A8C-B6F9-ABBC43D3BFD7}"/>
               </a:ext>
             </a:extLst>
           </p:cNvPr>
@@ -1115,7 +1115,7 @@
           <p:cNvPr id="4" name="日期占位符 3">
             <a:extLst>
               <a:ext uri="{FF2B5EF4-FFF2-40B4-BE49-F238E27FC236}">
-                <a16:creationId xmlns:a16="http://schemas.microsoft.com/office/drawing/2014/main" id="{8F622993-9B80-3173-C035-75F9D64BA968}"/>
+                <a16:creationId xmlns:a16="http://schemas.microsoft.com/office/drawing/2014/main" id="{7BC41D9B-1712-D92D-7087-77BCC76A169E}"/>
               </a:ext>
             </a:extLst>
           </p:cNvPr>
@@ -1131,7 +1131,7 @@
           <a:bodyPr/>
           <a:lstStyle/>
           <a:p>
-            <a:fld id="{CED85F33-A69B-4DAC-B126-C70BDE0A9B41}" type="datetimeFigureOut">
+            <a:fld id="{2B660CA1-FC16-4E6A-8D58-9D21AB34EE01}" type="datetimeFigureOut">
               <a:rPr lang="zh-CN" altLang="en-US" smtClean="0"/>
               <a:t>2024/3/10</a:t>
             </a:fld>
@@ -1144,7 +1144,7 @@
           <p:cNvPr id="5" name="页脚占位符 4">
             <a:extLst>
               <a:ext uri="{FF2B5EF4-FFF2-40B4-BE49-F238E27FC236}">
-                <a16:creationId xmlns:a16="http://schemas.microsoft.com/office/drawing/2014/main" id="{C0328ABE-65FC-0F4E-ADC1-D3E17182FB05}"/>
+                <a16:creationId xmlns:a16="http://schemas.microsoft.com/office/drawing/2014/main" id="{C4692291-7E18-0CE4-FE3E-28B62F41505F}"/>
               </a:ext>
             </a:extLst>
           </p:cNvPr>
@@ -1169,7 +1169,7 @@
           <p:cNvPr id="6" name="灯片编号占位符 5">
             <a:extLst>
               <a:ext uri="{FF2B5EF4-FFF2-40B4-BE49-F238E27FC236}">
-                <a16:creationId xmlns:a16="http://schemas.microsoft.com/office/drawing/2014/main" id="{FCEABCE7-BF85-BBC7-6519-0297A72C3478}"/>
+                <a16:creationId xmlns:a16="http://schemas.microsoft.com/office/drawing/2014/main" id="{124C1B8C-3A89-D8B1-8C66-1D9235C46F84}"/>
               </a:ext>
             </a:extLst>
           </p:cNvPr>
@@ -1185,7 +1185,7 @@
           <a:bodyPr/>
           <a:lstStyle/>
           <a:p>
-            <a:fld id="{B0CCD181-F7BA-4E3F-A84E-7A0E0CEAA673}" type="slidenum">
+            <a:fld id="{77C4A916-FCB2-4434-9A4D-439EAD08B88E}" type="slidenum">
               <a:rPr lang="zh-CN" altLang="en-US" smtClean="0"/>
               <a:t>‹#›</a:t>
             </a:fld>
@@ -1196,7 +1196,7 @@
     </p:spTree>
     <p:extLst>
       <p:ext uri="{BB962C8B-B14F-4D97-AF65-F5344CB8AC3E}">
-        <p14:creationId xmlns:p14="http://schemas.microsoft.com/office/powerpoint/2010/main" val="3416414631"/>
+        <p14:creationId xmlns:p14="http://schemas.microsoft.com/office/powerpoint/2010/main" val="65479982"/>
       </p:ext>
     </p:extLst>
   </p:cSld>
@@ -1228,7 +1228,7 @@
           <p:cNvPr id="2" name="标题 1">
             <a:extLst>
               <a:ext uri="{FF2B5EF4-FFF2-40B4-BE49-F238E27FC236}">
-                <a16:creationId xmlns:a16="http://schemas.microsoft.com/office/drawing/2014/main" id="{90C620C9-E2E7-5F70-DD34-9E9A8ED6854E}"/>
+                <a16:creationId xmlns:a16="http://schemas.microsoft.com/office/drawing/2014/main" id="{0A78B4D3-7EBB-1C73-6327-B70CD7C27098}"/>
               </a:ext>
             </a:extLst>
           </p:cNvPr>
@@ -1256,7 +1256,7 @@
           <p:cNvPr id="3" name="内容占位符 2">
             <a:extLst>
               <a:ext uri="{FF2B5EF4-FFF2-40B4-BE49-F238E27FC236}">
-                <a16:creationId xmlns:a16="http://schemas.microsoft.com/office/drawing/2014/main" id="{3CD68CE4-AA85-41B9-9E0C-3FBDD04090CE}"/>
+                <a16:creationId xmlns:a16="http://schemas.microsoft.com/office/drawing/2014/main" id="{CAFB5482-1CA2-27A8-A80A-105A485351E3}"/>
               </a:ext>
             </a:extLst>
           </p:cNvPr>
@@ -1318,7 +1318,7 @@
           <p:cNvPr id="4" name="内容占位符 3">
             <a:extLst>
               <a:ext uri="{FF2B5EF4-FFF2-40B4-BE49-F238E27FC236}">
-                <a16:creationId xmlns:a16="http://schemas.microsoft.com/office/drawing/2014/main" id="{66D71072-D657-D5BF-456C-D7BF35E4507D}"/>
+                <a16:creationId xmlns:a16="http://schemas.microsoft.com/office/drawing/2014/main" id="{D3F82E58-3050-26A8-08FF-FB84A7862EA6}"/>
               </a:ext>
             </a:extLst>
           </p:cNvPr>
@@ -1380,7 +1380,7 @@
           <p:cNvPr id="5" name="日期占位符 4">
             <a:extLst>
               <a:ext uri="{FF2B5EF4-FFF2-40B4-BE49-F238E27FC236}">
-                <a16:creationId xmlns:a16="http://schemas.microsoft.com/office/drawing/2014/main" id="{37F0D3B7-F9AB-0999-57F9-59BCA6594E89}"/>
+                <a16:creationId xmlns:a16="http://schemas.microsoft.com/office/drawing/2014/main" id="{E6B4BB1C-FBA8-B2CF-B3B6-0E6DA05D6C62}"/>
               </a:ext>
             </a:extLst>
           </p:cNvPr>
@@ -1396,7 +1396,7 @@
           <a:bodyPr/>
           <a:lstStyle/>
           <a:p>
-            <a:fld id="{CED85F33-A69B-4DAC-B126-C70BDE0A9B41}" type="datetimeFigureOut">
+            <a:fld id="{2B660CA1-FC16-4E6A-8D58-9D21AB34EE01}" type="datetimeFigureOut">
               <a:rPr lang="zh-CN" altLang="en-US" smtClean="0"/>
               <a:t>2024/3/10</a:t>
             </a:fld>
@@ -1409,7 +1409,7 @@
           <p:cNvPr id="6" name="页脚占位符 5">
             <a:extLst>
               <a:ext uri="{FF2B5EF4-FFF2-40B4-BE49-F238E27FC236}">
-                <a16:creationId xmlns:a16="http://schemas.microsoft.com/office/drawing/2014/main" id="{57ECAA51-814C-E2CB-194B-95291D2EF985}"/>
+                <a16:creationId xmlns:a16="http://schemas.microsoft.com/office/drawing/2014/main" id="{ABEFE89E-6D8F-6443-C65C-8354B011E225}"/>
               </a:ext>
             </a:extLst>
           </p:cNvPr>
@@ -1434,7 +1434,7 @@
           <p:cNvPr id="7" name="灯片编号占位符 6">
             <a:extLst>
               <a:ext uri="{FF2B5EF4-FFF2-40B4-BE49-F238E27FC236}">
-                <a16:creationId xmlns:a16="http://schemas.microsoft.com/office/drawing/2014/main" id="{4BD90A20-2E0C-0BD1-7CDC-50BB04B35A5B}"/>
+                <a16:creationId xmlns:a16="http://schemas.microsoft.com/office/drawing/2014/main" id="{6364BFB9-344A-ADBE-9E83-CF382CBBBB9D}"/>
               </a:ext>
             </a:extLst>
           </p:cNvPr>
@@ -1450,7 +1450,7 @@
           <a:bodyPr/>
           <a:lstStyle/>
           <a:p>
-            <a:fld id="{B0CCD181-F7BA-4E3F-A84E-7A0E0CEAA673}" type="slidenum">
+            <a:fld id="{77C4A916-FCB2-4434-9A4D-439EAD08B88E}" type="slidenum">
               <a:rPr lang="zh-CN" altLang="en-US" smtClean="0"/>
               <a:t>‹#›</a:t>
             </a:fld>
@@ -1461,7 +1461,7 @@
     </p:spTree>
     <p:extLst>
       <p:ext uri="{BB962C8B-B14F-4D97-AF65-F5344CB8AC3E}">
-        <p14:creationId xmlns:p14="http://schemas.microsoft.com/office/powerpoint/2010/main" val="148891942"/>
+        <p14:creationId xmlns:p14="http://schemas.microsoft.com/office/powerpoint/2010/main" val="3397549026"/>
       </p:ext>
     </p:extLst>
   </p:cSld>
@@ -1493,7 +1493,7 @@
           <p:cNvPr id="2" name="标题 1">
             <a:extLst>
               <a:ext uri="{FF2B5EF4-FFF2-40B4-BE49-F238E27FC236}">
-                <a16:creationId xmlns:a16="http://schemas.microsoft.com/office/drawing/2014/main" id="{54919A3D-693A-DE83-69A5-34D9BEEE3FAE}"/>
+                <a16:creationId xmlns:a16="http://schemas.microsoft.com/office/drawing/2014/main" id="{EDD4BF14-AA1E-524F-DD3E-931310F6EDF3}"/>
               </a:ext>
             </a:extLst>
           </p:cNvPr>
@@ -1526,7 +1526,7 @@
           <p:cNvPr id="3" name="文本占位符 2">
             <a:extLst>
               <a:ext uri="{FF2B5EF4-FFF2-40B4-BE49-F238E27FC236}">
-                <a16:creationId xmlns:a16="http://schemas.microsoft.com/office/drawing/2014/main" id="{0D04EAC6-CD35-62FB-A2F2-97C3E43B7809}"/>
+                <a16:creationId xmlns:a16="http://schemas.microsoft.com/office/drawing/2014/main" id="{514E795A-A434-3CDE-DE93-CC52E18CE7A3}"/>
               </a:ext>
             </a:extLst>
           </p:cNvPr>
@@ -1597,7 +1597,7 @@
           <p:cNvPr id="4" name="内容占位符 3">
             <a:extLst>
               <a:ext uri="{FF2B5EF4-FFF2-40B4-BE49-F238E27FC236}">
-                <a16:creationId xmlns:a16="http://schemas.microsoft.com/office/drawing/2014/main" id="{C174961D-D548-AC68-E83E-30526623E6A1}"/>
+                <a16:creationId xmlns:a16="http://schemas.microsoft.com/office/drawing/2014/main" id="{091977C5-0635-4287-FDC5-54A4C79F6EBC}"/>
               </a:ext>
             </a:extLst>
           </p:cNvPr>
@@ -1659,7 +1659,7 @@
           <p:cNvPr id="5" name="文本占位符 4">
             <a:extLst>
               <a:ext uri="{FF2B5EF4-FFF2-40B4-BE49-F238E27FC236}">
-                <a16:creationId xmlns:a16="http://schemas.microsoft.com/office/drawing/2014/main" id="{3B65ED1C-DC21-CCA9-88FB-6101DD15619E}"/>
+                <a16:creationId xmlns:a16="http://schemas.microsoft.com/office/drawing/2014/main" id="{FEA5AFB4-72C1-53CA-46D5-B011114359A6}"/>
               </a:ext>
             </a:extLst>
           </p:cNvPr>
@@ -1730,7 +1730,7 @@
           <p:cNvPr id="6" name="内容占位符 5">
             <a:extLst>
               <a:ext uri="{FF2B5EF4-FFF2-40B4-BE49-F238E27FC236}">
-                <a16:creationId xmlns:a16="http://schemas.microsoft.com/office/drawing/2014/main" id="{99709EB1-B02C-935B-1B41-F7EA5D603052}"/>
+                <a16:creationId xmlns:a16="http://schemas.microsoft.com/office/drawing/2014/main" id="{A7085B23-8E98-488E-72A7-D29633BC7CF7}"/>
               </a:ext>
             </a:extLst>
           </p:cNvPr>
@@ -1792,7 +1792,7 @@
           <p:cNvPr id="7" name="日期占位符 6">
             <a:extLst>
               <a:ext uri="{FF2B5EF4-FFF2-40B4-BE49-F238E27FC236}">
-                <a16:creationId xmlns:a16="http://schemas.microsoft.com/office/drawing/2014/main" id="{297ED8A6-1848-09B4-2985-DBDD124E2932}"/>
+                <a16:creationId xmlns:a16="http://schemas.microsoft.com/office/drawing/2014/main" id="{97180388-311F-12B2-8C72-7DE8877D2EE3}"/>
               </a:ext>
             </a:extLst>
           </p:cNvPr>
@@ -1808,7 +1808,7 @@
           <a:bodyPr/>
           <a:lstStyle/>
           <a:p>
-            <a:fld id="{CED85F33-A69B-4DAC-B126-C70BDE0A9B41}" type="datetimeFigureOut">
+            <a:fld id="{2B660CA1-FC16-4E6A-8D58-9D21AB34EE01}" type="datetimeFigureOut">
               <a:rPr lang="zh-CN" altLang="en-US" smtClean="0"/>
               <a:t>2024/3/10</a:t>
             </a:fld>
@@ -1821,7 +1821,7 @@
           <p:cNvPr id="8" name="页脚占位符 7">
             <a:extLst>
               <a:ext uri="{FF2B5EF4-FFF2-40B4-BE49-F238E27FC236}">
-                <a16:creationId xmlns:a16="http://schemas.microsoft.com/office/drawing/2014/main" id="{22879111-94C5-05DE-7BE0-941931ACFC19}"/>
+                <a16:creationId xmlns:a16="http://schemas.microsoft.com/office/drawing/2014/main" id="{54913C1C-5DD3-37FE-3925-7F592C43FFAD}"/>
               </a:ext>
             </a:extLst>
           </p:cNvPr>
@@ -1846,7 +1846,7 @@
           <p:cNvPr id="9" name="灯片编号占位符 8">
             <a:extLst>
               <a:ext uri="{FF2B5EF4-FFF2-40B4-BE49-F238E27FC236}">
-                <a16:creationId xmlns:a16="http://schemas.microsoft.com/office/drawing/2014/main" id="{4B34E8BA-057D-B5C7-66FC-FCEB9EF8F70F}"/>
+                <a16:creationId xmlns:a16="http://schemas.microsoft.com/office/drawing/2014/main" id="{115ACA6A-C952-DAC5-7FEA-72857E0A43F5}"/>
               </a:ext>
             </a:extLst>
           </p:cNvPr>
@@ -1862,7 +1862,7 @@
           <a:bodyPr/>
           <a:lstStyle/>
           <a:p>
-            <a:fld id="{B0CCD181-F7BA-4E3F-A84E-7A0E0CEAA673}" type="slidenum">
+            <a:fld id="{77C4A916-FCB2-4434-9A4D-439EAD08B88E}" type="slidenum">
               <a:rPr lang="zh-CN" altLang="en-US" smtClean="0"/>
               <a:t>‹#›</a:t>
             </a:fld>
@@ -1873,7 +1873,7 @@
     </p:spTree>
     <p:extLst>
       <p:ext uri="{BB962C8B-B14F-4D97-AF65-F5344CB8AC3E}">
-        <p14:creationId xmlns:p14="http://schemas.microsoft.com/office/powerpoint/2010/main" val="637276913"/>
+        <p14:creationId xmlns:p14="http://schemas.microsoft.com/office/powerpoint/2010/main" val="968814178"/>
       </p:ext>
     </p:extLst>
   </p:cSld>
@@ -1905,7 +1905,7 @@
           <p:cNvPr id="2" name="标题 1">
             <a:extLst>
               <a:ext uri="{FF2B5EF4-FFF2-40B4-BE49-F238E27FC236}">
-                <a16:creationId xmlns:a16="http://schemas.microsoft.com/office/drawing/2014/main" id="{9143B36C-D6E3-2574-AC77-5695A163F4C4}"/>
+                <a16:creationId xmlns:a16="http://schemas.microsoft.com/office/drawing/2014/main" id="{7FFD54DC-6963-F62D-388A-AF1B0D4AB6FC}"/>
               </a:ext>
             </a:extLst>
           </p:cNvPr>
@@ -1933,7 +1933,7 @@
           <p:cNvPr id="3" name="日期占位符 2">
             <a:extLst>
               <a:ext uri="{FF2B5EF4-FFF2-40B4-BE49-F238E27FC236}">
-                <a16:creationId xmlns:a16="http://schemas.microsoft.com/office/drawing/2014/main" id="{7BA2CDD3-14E0-2B1D-113C-CC349AAB49F7}"/>
+                <a16:creationId xmlns:a16="http://schemas.microsoft.com/office/drawing/2014/main" id="{F196D505-0B47-7E34-0EA8-92FF32D82574}"/>
               </a:ext>
             </a:extLst>
           </p:cNvPr>
@@ -1949,7 +1949,7 @@
           <a:bodyPr/>
           <a:lstStyle/>
           <a:p>
-            <a:fld id="{CED85F33-A69B-4DAC-B126-C70BDE0A9B41}" type="datetimeFigureOut">
+            <a:fld id="{2B660CA1-FC16-4E6A-8D58-9D21AB34EE01}" type="datetimeFigureOut">
               <a:rPr lang="zh-CN" altLang="en-US" smtClean="0"/>
               <a:t>2024/3/10</a:t>
             </a:fld>
@@ -1962,7 +1962,7 @@
           <p:cNvPr id="4" name="页脚占位符 3">
             <a:extLst>
               <a:ext uri="{FF2B5EF4-FFF2-40B4-BE49-F238E27FC236}">
-                <a16:creationId xmlns:a16="http://schemas.microsoft.com/office/drawing/2014/main" id="{BD47AFFD-BD5B-7374-6AC0-0E67FAEC1D05}"/>
+                <a16:creationId xmlns:a16="http://schemas.microsoft.com/office/drawing/2014/main" id="{BC9B1E56-77C7-C28D-94F8-0F3044818BE7}"/>
               </a:ext>
             </a:extLst>
           </p:cNvPr>
@@ -1987,7 +1987,7 @@
           <p:cNvPr id="5" name="灯片编号占位符 4">
             <a:extLst>
               <a:ext uri="{FF2B5EF4-FFF2-40B4-BE49-F238E27FC236}">
-                <a16:creationId xmlns:a16="http://schemas.microsoft.com/office/drawing/2014/main" id="{B94D0218-CC99-EF20-EEBE-8E8884592316}"/>
+                <a16:creationId xmlns:a16="http://schemas.microsoft.com/office/drawing/2014/main" id="{B9FC590D-3E25-5C14-3B0E-F3DD0318958F}"/>
               </a:ext>
             </a:extLst>
           </p:cNvPr>
@@ -2003,7 +2003,7 @@
           <a:bodyPr/>
           <a:lstStyle/>
           <a:p>
-            <a:fld id="{B0CCD181-F7BA-4E3F-A84E-7A0E0CEAA673}" type="slidenum">
+            <a:fld id="{77C4A916-FCB2-4434-9A4D-439EAD08B88E}" type="slidenum">
               <a:rPr lang="zh-CN" altLang="en-US" smtClean="0"/>
               <a:t>‹#›</a:t>
             </a:fld>
@@ -2014,7 +2014,7 @@
     </p:spTree>
     <p:extLst>
       <p:ext uri="{BB962C8B-B14F-4D97-AF65-F5344CB8AC3E}">
-        <p14:creationId xmlns:p14="http://schemas.microsoft.com/office/powerpoint/2010/main" val="36171545"/>
+        <p14:creationId xmlns:p14="http://schemas.microsoft.com/office/powerpoint/2010/main" val="1074321528"/>
       </p:ext>
     </p:extLst>
   </p:cSld>
@@ -2046,7 +2046,7 @@
           <p:cNvPr id="2" name="日期占位符 1">
             <a:extLst>
               <a:ext uri="{FF2B5EF4-FFF2-40B4-BE49-F238E27FC236}">
-                <a16:creationId xmlns:a16="http://schemas.microsoft.com/office/drawing/2014/main" id="{0FF2BD9B-D1BE-5B1D-0A4D-6D7D44C1056C}"/>
+                <a16:creationId xmlns:a16="http://schemas.microsoft.com/office/drawing/2014/main" id="{E01E777E-4AC0-F886-FB1C-B70316793056}"/>
               </a:ext>
             </a:extLst>
           </p:cNvPr>
@@ -2062,7 +2062,7 @@
           <a:bodyPr/>
           <a:lstStyle/>
           <a:p>
-            <a:fld id="{CED85F33-A69B-4DAC-B126-C70BDE0A9B41}" type="datetimeFigureOut">
+            <a:fld id="{2B660CA1-FC16-4E6A-8D58-9D21AB34EE01}" type="datetimeFigureOut">
               <a:rPr lang="zh-CN" altLang="en-US" smtClean="0"/>
               <a:t>2024/3/10</a:t>
             </a:fld>
@@ -2075,7 +2075,7 @@
           <p:cNvPr id="3" name="页脚占位符 2">
             <a:extLst>
               <a:ext uri="{FF2B5EF4-FFF2-40B4-BE49-F238E27FC236}">
-                <a16:creationId xmlns:a16="http://schemas.microsoft.com/office/drawing/2014/main" id="{D40BA7C9-04F8-4471-EC8A-F5C4030AC617}"/>
+                <a16:creationId xmlns:a16="http://schemas.microsoft.com/office/drawing/2014/main" id="{C415C72B-0505-433C-ABF8-FB9DE2FABF9F}"/>
               </a:ext>
             </a:extLst>
           </p:cNvPr>
@@ -2100,7 +2100,7 @@
           <p:cNvPr id="4" name="灯片编号占位符 3">
             <a:extLst>
               <a:ext uri="{FF2B5EF4-FFF2-40B4-BE49-F238E27FC236}">
-                <a16:creationId xmlns:a16="http://schemas.microsoft.com/office/drawing/2014/main" id="{82F513F4-7CE4-0001-6642-CB8FBCFD55CB}"/>
+                <a16:creationId xmlns:a16="http://schemas.microsoft.com/office/drawing/2014/main" id="{00182B30-2152-8FA3-B764-660EA88D3854}"/>
               </a:ext>
             </a:extLst>
           </p:cNvPr>
@@ -2116,7 +2116,7 @@
           <a:bodyPr/>
           <a:lstStyle/>
           <a:p>
-            <a:fld id="{B0CCD181-F7BA-4E3F-A84E-7A0E0CEAA673}" type="slidenum">
+            <a:fld id="{77C4A916-FCB2-4434-9A4D-439EAD08B88E}" type="slidenum">
               <a:rPr lang="zh-CN" altLang="en-US" smtClean="0"/>
               <a:t>‹#›</a:t>
             </a:fld>
@@ -2127,7 +2127,7 @@
     </p:spTree>
     <p:extLst>
       <p:ext uri="{BB962C8B-B14F-4D97-AF65-F5344CB8AC3E}">
-        <p14:creationId xmlns:p14="http://schemas.microsoft.com/office/powerpoint/2010/main" val="3236031626"/>
+        <p14:creationId xmlns:p14="http://schemas.microsoft.com/office/powerpoint/2010/main" val="2398536702"/>
       </p:ext>
     </p:extLst>
   </p:cSld>
@@ -2159,7 +2159,7 @@
           <p:cNvPr id="2" name="标题 1">
             <a:extLst>
               <a:ext uri="{FF2B5EF4-FFF2-40B4-BE49-F238E27FC236}">
-                <a16:creationId xmlns:a16="http://schemas.microsoft.com/office/drawing/2014/main" id="{4A7189FB-86B8-98FC-ACA9-0ADCDD9D8376}"/>
+                <a16:creationId xmlns:a16="http://schemas.microsoft.com/office/drawing/2014/main" id="{809BE530-8040-AFED-3742-636021DAA356}"/>
               </a:ext>
             </a:extLst>
           </p:cNvPr>
@@ -2196,7 +2196,7 @@
           <p:cNvPr id="3" name="内容占位符 2">
             <a:extLst>
               <a:ext uri="{FF2B5EF4-FFF2-40B4-BE49-F238E27FC236}">
-                <a16:creationId xmlns:a16="http://schemas.microsoft.com/office/drawing/2014/main" id="{C9828B10-3FF4-3B20-CC67-CD01F8DB00F6}"/>
+                <a16:creationId xmlns:a16="http://schemas.microsoft.com/office/drawing/2014/main" id="{5EFB00C8-015B-8EEC-3B78-47195ECC3E69}"/>
               </a:ext>
             </a:extLst>
           </p:cNvPr>
@@ -2286,7 +2286,7 @@
           <p:cNvPr id="4" name="文本占位符 3">
             <a:extLst>
               <a:ext uri="{FF2B5EF4-FFF2-40B4-BE49-F238E27FC236}">
-                <a16:creationId xmlns:a16="http://schemas.microsoft.com/office/drawing/2014/main" id="{AE4D1128-0D0A-368A-9D73-EC1DD709FB08}"/>
+                <a16:creationId xmlns:a16="http://schemas.microsoft.com/office/drawing/2014/main" id="{70A86B79-80A1-C457-765E-21E7C7205938}"/>
               </a:ext>
             </a:extLst>
           </p:cNvPr>
@@ -2357,7 +2357,7 @@
           <p:cNvPr id="5" name="日期占位符 4">
             <a:extLst>
               <a:ext uri="{FF2B5EF4-FFF2-40B4-BE49-F238E27FC236}">
-                <a16:creationId xmlns:a16="http://schemas.microsoft.com/office/drawing/2014/main" id="{98317F6C-08BB-5DDE-4BF9-F748C4C63484}"/>
+                <a16:creationId xmlns:a16="http://schemas.microsoft.com/office/drawing/2014/main" id="{AB20EFEE-E64A-F8FF-9FB4-CF17CB430C63}"/>
               </a:ext>
             </a:extLst>
           </p:cNvPr>
@@ -2373,7 +2373,7 @@
           <a:bodyPr/>
           <a:lstStyle/>
           <a:p>
-            <a:fld id="{CED85F33-A69B-4DAC-B126-C70BDE0A9B41}" type="datetimeFigureOut">
+            <a:fld id="{2B660CA1-FC16-4E6A-8D58-9D21AB34EE01}" type="datetimeFigureOut">
               <a:rPr lang="zh-CN" altLang="en-US" smtClean="0"/>
               <a:t>2024/3/10</a:t>
             </a:fld>
@@ -2386,7 +2386,7 @@
           <p:cNvPr id="6" name="页脚占位符 5">
             <a:extLst>
               <a:ext uri="{FF2B5EF4-FFF2-40B4-BE49-F238E27FC236}">
-                <a16:creationId xmlns:a16="http://schemas.microsoft.com/office/drawing/2014/main" id="{603548D8-70E0-1D7F-77FE-0C8B2619EAE0}"/>
+                <a16:creationId xmlns:a16="http://schemas.microsoft.com/office/drawing/2014/main" id="{5D24F3A6-A3A2-390B-F059-2AEC8DCC6381}"/>
               </a:ext>
             </a:extLst>
           </p:cNvPr>
@@ -2411,7 +2411,7 @@
           <p:cNvPr id="7" name="灯片编号占位符 6">
             <a:extLst>
               <a:ext uri="{FF2B5EF4-FFF2-40B4-BE49-F238E27FC236}">
-                <a16:creationId xmlns:a16="http://schemas.microsoft.com/office/drawing/2014/main" id="{264BF7BD-087C-0ADE-93C0-0CB4E0BAFFDC}"/>
+                <a16:creationId xmlns:a16="http://schemas.microsoft.com/office/drawing/2014/main" id="{E305849F-5234-0BBE-1069-E04E01E54F7E}"/>
               </a:ext>
             </a:extLst>
           </p:cNvPr>
@@ -2427,7 +2427,7 @@
           <a:bodyPr/>
           <a:lstStyle/>
           <a:p>
-            <a:fld id="{B0CCD181-F7BA-4E3F-A84E-7A0E0CEAA673}" type="slidenum">
+            <a:fld id="{77C4A916-FCB2-4434-9A4D-439EAD08B88E}" type="slidenum">
               <a:rPr lang="zh-CN" altLang="en-US" smtClean="0"/>
               <a:t>‹#›</a:t>
             </a:fld>
@@ -2438,7 +2438,7 @@
     </p:spTree>
     <p:extLst>
       <p:ext uri="{BB962C8B-B14F-4D97-AF65-F5344CB8AC3E}">
-        <p14:creationId xmlns:p14="http://schemas.microsoft.com/office/powerpoint/2010/main" val="913288258"/>
+        <p14:creationId xmlns:p14="http://schemas.microsoft.com/office/powerpoint/2010/main" val="205997249"/>
       </p:ext>
     </p:extLst>
   </p:cSld>
@@ -2470,7 +2470,7 @@
           <p:cNvPr id="2" name="标题 1">
             <a:extLst>
               <a:ext uri="{FF2B5EF4-FFF2-40B4-BE49-F238E27FC236}">
-                <a16:creationId xmlns:a16="http://schemas.microsoft.com/office/drawing/2014/main" id="{DB31B30F-F9F0-0ED9-6574-B4314C59D7CF}"/>
+                <a16:creationId xmlns:a16="http://schemas.microsoft.com/office/drawing/2014/main" id="{098823A5-BA84-BEDA-25D3-59E6E8813CD7}"/>
               </a:ext>
             </a:extLst>
           </p:cNvPr>
@@ -2507,7 +2507,7 @@
           <p:cNvPr id="3" name="图片占位符 2">
             <a:extLst>
               <a:ext uri="{FF2B5EF4-FFF2-40B4-BE49-F238E27FC236}">
-                <a16:creationId xmlns:a16="http://schemas.microsoft.com/office/drawing/2014/main" id="{B93E5FA0-640D-ECC7-54CD-1E6FD84B97C4}"/>
+                <a16:creationId xmlns:a16="http://schemas.microsoft.com/office/drawing/2014/main" id="{C0876EA0-A405-D26A-D4BE-A6A50DE92AC7}"/>
               </a:ext>
             </a:extLst>
           </p:cNvPr>
@@ -2574,7 +2574,7 @@
           <p:cNvPr id="4" name="文本占位符 3">
             <a:extLst>
               <a:ext uri="{FF2B5EF4-FFF2-40B4-BE49-F238E27FC236}">
-                <a16:creationId xmlns:a16="http://schemas.microsoft.com/office/drawing/2014/main" id="{00DECA96-C6D6-17A3-418F-0D220489C273}"/>
+                <a16:creationId xmlns:a16="http://schemas.microsoft.com/office/drawing/2014/main" id="{E2549EF9-3C90-4EC1-A139-0B78EDBE9762}"/>
               </a:ext>
             </a:extLst>
           </p:cNvPr>
@@ -2645,7 +2645,7 @@
           <p:cNvPr id="5" name="日期占位符 4">
             <a:extLst>
               <a:ext uri="{FF2B5EF4-FFF2-40B4-BE49-F238E27FC236}">
-                <a16:creationId xmlns:a16="http://schemas.microsoft.com/office/drawing/2014/main" id="{0567613F-D005-041C-28A3-697A9AB33464}"/>
+                <a16:creationId xmlns:a16="http://schemas.microsoft.com/office/drawing/2014/main" id="{D054CE96-C693-B3CB-558F-4A5B4BD64A81}"/>
               </a:ext>
             </a:extLst>
           </p:cNvPr>
@@ -2661,7 +2661,7 @@
           <a:bodyPr/>
           <a:lstStyle/>
           <a:p>
-            <a:fld id="{CED85F33-A69B-4DAC-B126-C70BDE0A9B41}" type="datetimeFigureOut">
+            <a:fld id="{2B660CA1-FC16-4E6A-8D58-9D21AB34EE01}" type="datetimeFigureOut">
               <a:rPr lang="zh-CN" altLang="en-US" smtClean="0"/>
               <a:t>2024/3/10</a:t>
             </a:fld>
@@ -2674,7 +2674,7 @@
           <p:cNvPr id="6" name="页脚占位符 5">
             <a:extLst>
               <a:ext uri="{FF2B5EF4-FFF2-40B4-BE49-F238E27FC236}">
-                <a16:creationId xmlns:a16="http://schemas.microsoft.com/office/drawing/2014/main" id="{2B74C760-90CF-69D8-AEA2-9E67B321BC09}"/>
+                <a16:creationId xmlns:a16="http://schemas.microsoft.com/office/drawing/2014/main" id="{5E3E0D85-C917-6D54-4700-6759E649EA48}"/>
               </a:ext>
             </a:extLst>
           </p:cNvPr>
@@ -2699,7 +2699,7 @@
           <p:cNvPr id="7" name="灯片编号占位符 6">
             <a:extLst>
               <a:ext uri="{FF2B5EF4-FFF2-40B4-BE49-F238E27FC236}">
-                <a16:creationId xmlns:a16="http://schemas.microsoft.com/office/drawing/2014/main" id="{6E3F6E28-3FF8-AFE4-D146-AD6EA7BA6A76}"/>
+                <a16:creationId xmlns:a16="http://schemas.microsoft.com/office/drawing/2014/main" id="{52DC89E7-DB48-A400-572C-22AA0BF81B90}"/>
               </a:ext>
             </a:extLst>
           </p:cNvPr>
@@ -2715,7 +2715,7 @@
           <a:bodyPr/>
           <a:lstStyle/>
           <a:p>
-            <a:fld id="{B0CCD181-F7BA-4E3F-A84E-7A0E0CEAA673}" type="slidenum">
+            <a:fld id="{77C4A916-FCB2-4434-9A4D-439EAD08B88E}" type="slidenum">
               <a:rPr lang="zh-CN" altLang="en-US" smtClean="0"/>
               <a:t>‹#›</a:t>
             </a:fld>
@@ -2726,7 +2726,7 @@
     </p:spTree>
     <p:extLst>
       <p:ext uri="{BB962C8B-B14F-4D97-AF65-F5344CB8AC3E}">
-        <p14:creationId xmlns:p14="http://schemas.microsoft.com/office/powerpoint/2010/main" val="1028752671"/>
+        <p14:creationId xmlns:p14="http://schemas.microsoft.com/office/powerpoint/2010/main" val="1926090612"/>
       </p:ext>
     </p:extLst>
   </p:cSld>
@@ -2763,7 +2763,7 @@
           <p:cNvPr id="2" name="标题占位符 1">
             <a:extLst>
               <a:ext uri="{FF2B5EF4-FFF2-40B4-BE49-F238E27FC236}">
-                <a16:creationId xmlns:a16="http://schemas.microsoft.com/office/drawing/2014/main" id="{DEFBEF33-607E-8AA0-2961-76F05538F665}"/>
+                <a16:creationId xmlns:a16="http://schemas.microsoft.com/office/drawing/2014/main" id="{19E9137E-7E06-4595-3DFB-F472704EA392}"/>
               </a:ext>
             </a:extLst>
           </p:cNvPr>
@@ -2801,7 +2801,7 @@
           <p:cNvPr id="3" name="文本占位符 2">
             <a:extLst>
               <a:ext uri="{FF2B5EF4-FFF2-40B4-BE49-F238E27FC236}">
-                <a16:creationId xmlns:a16="http://schemas.microsoft.com/office/drawing/2014/main" id="{661F10B9-102A-C209-713A-0DDD34723242}"/>
+                <a16:creationId xmlns:a16="http://schemas.microsoft.com/office/drawing/2014/main" id="{9E0F74A2-0BC7-E4E8-D70B-1EA2F6BDC7FC}"/>
               </a:ext>
             </a:extLst>
           </p:cNvPr>
@@ -2868,7 +2868,7 @@
           <p:cNvPr id="4" name="日期占位符 3">
             <a:extLst>
               <a:ext uri="{FF2B5EF4-FFF2-40B4-BE49-F238E27FC236}">
-                <a16:creationId xmlns:a16="http://schemas.microsoft.com/office/drawing/2014/main" id="{E7B221AE-CB49-1FC6-202B-2AABC5A52870}"/>
+                <a16:creationId xmlns:a16="http://schemas.microsoft.com/office/drawing/2014/main" id="{BB773573-15AE-5B54-F65D-2C00E12C15E7}"/>
               </a:ext>
             </a:extLst>
           </p:cNvPr>
@@ -2902,7 +2902,7 @@
             </a:lvl1pPr>
           </a:lstStyle>
           <a:p>
-            <a:fld id="{CED85F33-A69B-4DAC-B126-C70BDE0A9B41}" type="datetimeFigureOut">
+            <a:fld id="{2B660CA1-FC16-4E6A-8D58-9D21AB34EE01}" type="datetimeFigureOut">
               <a:rPr lang="zh-CN" altLang="en-US" smtClean="0"/>
               <a:t>2024/3/10</a:t>
             </a:fld>
@@ -2915,7 +2915,7 @@
           <p:cNvPr id="5" name="页脚占位符 4">
             <a:extLst>
               <a:ext uri="{FF2B5EF4-FFF2-40B4-BE49-F238E27FC236}">
-                <a16:creationId xmlns:a16="http://schemas.microsoft.com/office/drawing/2014/main" id="{97FBA61F-46CF-C229-6FC9-F610CA737BA9}"/>
+                <a16:creationId xmlns:a16="http://schemas.microsoft.com/office/drawing/2014/main" id="{E17C4CD3-4C68-637D-390A-345C7CD00076}"/>
               </a:ext>
             </a:extLst>
           </p:cNvPr>
@@ -2958,7 +2958,7 @@
           <p:cNvPr id="6" name="灯片编号占位符 5">
             <a:extLst>
               <a:ext uri="{FF2B5EF4-FFF2-40B4-BE49-F238E27FC236}">
-                <a16:creationId xmlns:a16="http://schemas.microsoft.com/office/drawing/2014/main" id="{3FC0D145-FAB3-D650-1D62-7C3F07134A17}"/>
+                <a16:creationId xmlns:a16="http://schemas.microsoft.com/office/drawing/2014/main" id="{8CEC9D2F-ED6F-E2A9-C98B-8AD61F9343F6}"/>
               </a:ext>
             </a:extLst>
           </p:cNvPr>
@@ -2992,7 +2992,7 @@
             </a:lvl1pPr>
           </a:lstStyle>
           <a:p>
-            <a:fld id="{B0CCD181-F7BA-4E3F-A84E-7A0E0CEAA673}" type="slidenum">
+            <a:fld id="{77C4A916-FCB2-4434-9A4D-439EAD08B88E}" type="slidenum">
               <a:rPr lang="zh-CN" altLang="en-US" smtClean="0"/>
               <a:t>‹#›</a:t>
             </a:fld>
@@ -3003,7 +3003,7 @@
     </p:spTree>
     <p:extLst>
       <p:ext uri="{BB962C8B-B14F-4D97-AF65-F5344CB8AC3E}">
-        <p14:creationId xmlns:p14="http://schemas.microsoft.com/office/powerpoint/2010/main" val="1101757341"/>
+        <p14:creationId xmlns:p14="http://schemas.microsoft.com/office/powerpoint/2010/main" val="1903376391"/>
       </p:ext>
     </p:extLst>
   </p:cSld>
@@ -3323,7 +3323,7 @@
       </p:grpSpPr>
       <p:pic>
         <p:nvPicPr>
-          <p:cNvPr id="1029122" name="Picture 2" descr="1004"/>
+          <p:cNvPr id="1030146" name="Picture 2" descr="1005"/>
           <p:cNvPicPr>
             <a:picLocks noChangeAspect="1" noChangeArrowheads="1"/>
           </p:cNvPicPr>
@@ -3375,11 +3375,158 @@
           </a:extLst>
         </p:spPr>
       </p:pic>
+      <p:pic>
+        <p:nvPicPr>
+          <p:cNvPr id="1031171" name="Picture 3" descr="1005-2"/>
+          <p:cNvPicPr>
+            <a:picLocks noChangeAspect="1" noChangeArrowheads="1"/>
+          </p:cNvPicPr>
+          <p:nvPr/>
+        </p:nvPicPr>
+        <p:blipFill>
+          <a:blip r:embed="rId3">
+            <a:extLst>
+              <a:ext uri="{28A0092B-C50C-407E-A947-70E740481C1C}">
+                <a14:useLocalDpi xmlns:a14="http://schemas.microsoft.com/office/drawing/2010/main" val="0"/>
+              </a:ext>
+            </a:extLst>
+          </a:blip>
+          <a:srcRect/>
+          <a:stretch>
+            <a:fillRect/>
+          </a:stretch>
+        </p:blipFill>
+        <p:spPr bwMode="auto">
+          <a:xfrm>
+            <a:off x="1558925" y="1"/>
+            <a:ext cx="9055100" cy="6791325"/>
+          </a:xfrm>
+          <a:prstGeom prst="rect">
+            <a:avLst/>
+          </a:prstGeom>
+          <a:noFill/>
+          <a:ln>
+            <a:noFill/>
+          </a:ln>
+          <a:effectLst/>
+          <a:extLst>
+            <a:ext uri="{909E8E84-426E-40DD-AFC4-6F175D3DCCD1}">
+              <a14:hiddenFill xmlns:a14="http://schemas.microsoft.com/office/drawing/2010/main">
+                <a:solidFill>
+                  <a:srgbClr val="FFFFFF"/>
+                </a:solidFill>
+              </a14:hiddenFill>
+            </a:ext>
+            <a:ext uri="{91240B29-F687-4F45-9708-019B960494DF}">
+              <a14:hiddenLine xmlns:a14="http://schemas.microsoft.com/office/drawing/2010/main" w="9525">
+                <a:solidFill>
+                  <a:srgbClr val="000000"/>
+                </a:solidFill>
+                <a:miter lim="800000"/>
+                <a:headEnd/>
+                <a:tailEnd/>
+              </a14:hiddenLine>
+            </a:ext>
+            <a:ext uri="{AF507438-7753-43E0-B8FC-AC1667EBCBE1}">
+              <a14:hiddenEffects xmlns:a14="http://schemas.microsoft.com/office/drawing/2010/main">
+                <a:effectLst>
+                  <a:outerShdw dist="35921" dir="2700000" algn="ctr" rotWithShape="0">
+                    <a:srgbClr val="808080"/>
+                  </a:outerShdw>
+                </a:effectLst>
+              </a14:hiddenEffects>
+            </a:ext>
+          </a:extLst>
+        </p:spPr>
+      </p:pic>
     </p:spTree>
   </p:cSld>
   <p:clrMapOvr>
     <a:masterClrMapping/>
   </p:clrMapOvr>
+  <p:timing>
+    <p:tnLst>
+      <p:par>
+        <p:cTn id="1" dur="indefinite" restart="never" nodeType="tmRoot">
+          <p:childTnLst>
+            <p:seq concurrent="1" nextAc="seek">
+              <p:cTn id="2" dur="indefinite" nodeType="mainSeq">
+                <p:childTnLst>
+                  <p:par>
+                    <p:cTn id="3" fill="hold" nodeType="clickPar">
+                      <p:stCondLst>
+                        <p:cond delay="indefinite"/>
+                      </p:stCondLst>
+                      <p:childTnLst>
+                        <p:par>
+                          <p:cTn id="4" fill="hold" nodeType="withGroup">
+                            <p:stCondLst>
+                              <p:cond delay="0"/>
+                            </p:stCondLst>
+                            <p:childTnLst>
+                              <p:par>
+                                <p:cTn id="5" presetID="10" presetClass="entr" presetSubtype="0" fill="hold" nodeType="clickEffect">
+                                  <p:stCondLst>
+                                    <p:cond delay="0"/>
+                                  </p:stCondLst>
+                                  <p:childTnLst>
+                                    <p:set>
+                                      <p:cBhvr>
+                                        <p:cTn id="6" dur="1" fill="hold">
+                                          <p:stCondLst>
+                                            <p:cond delay="0"/>
+                                          </p:stCondLst>
+                                        </p:cTn>
+                                        <p:tgtEl>
+                                          <p:spTgt spid="1031171"/>
+                                        </p:tgtEl>
+                                        <p:attrNameLst>
+                                          <p:attrName>style.visibility</p:attrName>
+                                        </p:attrNameLst>
+                                      </p:cBhvr>
+                                      <p:to>
+                                        <p:strVal val="visible"/>
+                                      </p:to>
+                                    </p:set>
+                                    <p:animEffect transition="in" filter="fade">
+                                      <p:cBhvr>
+                                        <p:cTn id="7" dur="500"/>
+                                        <p:tgtEl>
+                                          <p:spTgt spid="1031171"/>
+                                        </p:tgtEl>
+                                      </p:cBhvr>
+                                    </p:animEffect>
+                                  </p:childTnLst>
+                                </p:cTn>
+                              </p:par>
+                            </p:childTnLst>
+                          </p:cTn>
+                        </p:par>
+                      </p:childTnLst>
+                    </p:cTn>
+                  </p:par>
+                </p:childTnLst>
+              </p:cTn>
+              <p:prevCondLst>
+                <p:cond evt="onPrev" delay="0">
+                  <p:tgtEl>
+                    <p:sldTgt/>
+                  </p:tgtEl>
+                </p:cond>
+              </p:prevCondLst>
+              <p:nextCondLst>
+                <p:cond evt="onNext" delay="0">
+                  <p:tgtEl>
+                    <p:sldTgt/>
+                  </p:tgtEl>
+                </p:cond>
+              </p:nextCondLst>
+            </p:seq>
+          </p:childTnLst>
+        </p:cTn>
+      </p:par>
+    </p:tnLst>
+  </p:timing>
 </p:sld>
 </file>
 
